--- a/4 - Apresentação/Save.pptx
+++ b/4 - Apresentação/Save.pptx
@@ -115,6 +115,11 @@
       </a:defRPr>
     </a:lvl9pPr>
   </p:defaultTextStyle>
+  <p:extLst>
+    <p:ext uri="{EFAFB233-063F-42B5-8137-9DF3F51BA10A}">
+      <p15:sldGuideLst xmlns:p15="http://schemas.microsoft.com/office/powerpoint/2012/main"/>
+    </p:ext>
+  </p:extLst>
 </p:presentation>
 </file>
 
@@ -200,7 +205,7 @@
           <a:p>
             <a:fld id="{CA26BECA-9418-4437-A6EC-9CF6BEFB13F1}" type="datetimeFigureOut">
               <a:rPr lang="pt-BR" smtClean="0"/>
-              <a:t>19/11/2022</a:t>
+              <a:t>21/11/2022</a:t>
             </a:fld>
             <a:endParaRPr lang="pt-BR"/>
           </a:p>
@@ -1286,7 +1291,7 @@
           <a:p>
             <a:fld id="{232A8D44-D326-455C-A9AF-D507E169C792}" type="datetimeFigureOut">
               <a:rPr lang="pt-BR" smtClean="0"/>
-              <a:t>19/11/2022</a:t>
+              <a:t>21/11/2022</a:t>
             </a:fld>
             <a:endParaRPr lang="pt-BR"/>
           </a:p>
@@ -1484,7 +1489,7 @@
           <a:p>
             <a:fld id="{232A8D44-D326-455C-A9AF-D507E169C792}" type="datetimeFigureOut">
               <a:rPr lang="pt-BR" smtClean="0"/>
-              <a:t>19/11/2022</a:t>
+              <a:t>21/11/2022</a:t>
             </a:fld>
             <a:endParaRPr lang="pt-BR"/>
           </a:p>
@@ -1692,7 +1697,7 @@
           <a:p>
             <a:fld id="{232A8D44-D326-455C-A9AF-D507E169C792}" type="datetimeFigureOut">
               <a:rPr lang="pt-BR" smtClean="0"/>
-              <a:t>19/11/2022</a:t>
+              <a:t>21/11/2022</a:t>
             </a:fld>
             <a:endParaRPr lang="pt-BR"/>
           </a:p>
@@ -1890,7 +1895,7 @@
           <a:p>
             <a:fld id="{232A8D44-D326-455C-A9AF-D507E169C792}" type="datetimeFigureOut">
               <a:rPr lang="pt-BR" smtClean="0"/>
-              <a:t>19/11/2022</a:t>
+              <a:t>21/11/2022</a:t>
             </a:fld>
             <a:endParaRPr lang="pt-BR"/>
           </a:p>
@@ -2165,7 +2170,7 @@
           <a:p>
             <a:fld id="{232A8D44-D326-455C-A9AF-D507E169C792}" type="datetimeFigureOut">
               <a:rPr lang="pt-BR" smtClean="0"/>
-              <a:t>19/11/2022</a:t>
+              <a:t>21/11/2022</a:t>
             </a:fld>
             <a:endParaRPr lang="pt-BR"/>
           </a:p>
@@ -2430,7 +2435,7 @@
           <a:p>
             <a:fld id="{232A8D44-D326-455C-A9AF-D507E169C792}" type="datetimeFigureOut">
               <a:rPr lang="pt-BR" smtClean="0"/>
-              <a:t>19/11/2022</a:t>
+              <a:t>21/11/2022</a:t>
             </a:fld>
             <a:endParaRPr lang="pt-BR"/>
           </a:p>
@@ -2842,7 +2847,7 @@
           <a:p>
             <a:fld id="{232A8D44-D326-455C-A9AF-D507E169C792}" type="datetimeFigureOut">
               <a:rPr lang="pt-BR" smtClean="0"/>
-              <a:t>19/11/2022</a:t>
+              <a:t>21/11/2022</a:t>
             </a:fld>
             <a:endParaRPr lang="pt-BR"/>
           </a:p>
@@ -2983,7 +2988,7 @@
           <a:p>
             <a:fld id="{232A8D44-D326-455C-A9AF-D507E169C792}" type="datetimeFigureOut">
               <a:rPr lang="pt-BR" smtClean="0"/>
-              <a:t>19/11/2022</a:t>
+              <a:t>21/11/2022</a:t>
             </a:fld>
             <a:endParaRPr lang="pt-BR"/>
           </a:p>
@@ -3096,7 +3101,7 @@
           <a:p>
             <a:fld id="{232A8D44-D326-455C-A9AF-D507E169C792}" type="datetimeFigureOut">
               <a:rPr lang="pt-BR" smtClean="0"/>
-              <a:t>19/11/2022</a:t>
+              <a:t>21/11/2022</a:t>
             </a:fld>
             <a:endParaRPr lang="pt-BR"/>
           </a:p>
@@ -3407,7 +3412,7 @@
           <a:p>
             <a:fld id="{232A8D44-D326-455C-A9AF-D507E169C792}" type="datetimeFigureOut">
               <a:rPr lang="pt-BR" smtClean="0"/>
-              <a:t>19/11/2022</a:t>
+              <a:t>21/11/2022</a:t>
             </a:fld>
             <a:endParaRPr lang="pt-BR"/>
           </a:p>
@@ -3695,7 +3700,7 @@
           <a:p>
             <a:fld id="{232A8D44-D326-455C-A9AF-D507E169C792}" type="datetimeFigureOut">
               <a:rPr lang="pt-BR" smtClean="0"/>
-              <a:t>19/11/2022</a:t>
+              <a:t>21/11/2022</a:t>
             </a:fld>
             <a:endParaRPr lang="pt-BR"/>
           </a:p>
@@ -3936,7 +3941,7 @@
           <a:p>
             <a:fld id="{232A8D44-D326-455C-A9AF-D507E169C792}" type="datetimeFigureOut">
               <a:rPr lang="pt-BR" smtClean="0"/>
-              <a:t>19/11/2022</a:t>
+              <a:t>21/11/2022</a:t>
             </a:fld>
             <a:endParaRPr lang="pt-BR"/>
           </a:p>
@@ -4436,13 +4441,13 @@
   <p:clrMapOvr>
     <a:masterClrMapping/>
   </p:clrMapOvr>
-  <mc:AlternateContent xmlns:mc="http://schemas.openxmlformats.org/markup-compatibility/2006">
-    <mc:Choice xmlns:p159="http://schemas.microsoft.com/office/powerpoint/2015/09/main" Requires="p159">
+  <mc:AlternateContent xmlns:mc="http://schemas.openxmlformats.org/markup-compatibility/2006" xmlns:p159="http://schemas.microsoft.com/office/powerpoint/2015/09/main">
+    <mc:Choice Requires="p159">
       <p:transition xmlns:p14="http://schemas.microsoft.com/office/powerpoint/2010/main" spd="slow" p14:dur="2000">
         <p159:morph option="byObject"/>
       </p:transition>
     </mc:Choice>
-    <mc:Fallback>
+    <mc:Fallback xmlns="">
       <p:transition spd="slow">
         <p:fade/>
       </p:transition>
@@ -6741,13 +6746,13 @@
   <p:clrMapOvr>
     <a:masterClrMapping/>
   </p:clrMapOvr>
-  <mc:AlternateContent xmlns:mc="http://schemas.openxmlformats.org/markup-compatibility/2006">
-    <mc:Choice xmlns:p159="http://schemas.microsoft.com/office/powerpoint/2015/09/main" Requires="p159">
+  <mc:AlternateContent xmlns:mc="http://schemas.openxmlformats.org/markup-compatibility/2006" xmlns:p159="http://schemas.microsoft.com/office/powerpoint/2015/09/main">
+    <mc:Choice Requires="p159">
       <p:transition xmlns:p14="http://schemas.microsoft.com/office/powerpoint/2010/main" spd="slow" p14:dur="2000">
         <p159:morph option="byObject"/>
       </p:transition>
     </mc:Choice>
-    <mc:Fallback>
+    <mc:Fallback xmlns="">
       <p:transition spd="slow">
         <p:fade/>
       </p:transition>
@@ -7715,8 +7720,8 @@
         </p:nvGrpSpPr>
         <p:grpSpPr>
           <a:xfrm>
-            <a:off x="6677025" y="1173947"/>
-            <a:ext cx="4676775" cy="4874427"/>
+            <a:off x="6677025" y="808187"/>
+            <a:ext cx="4676775" cy="5254285"/>
             <a:chOff x="6677025" y="1173947"/>
             <a:chExt cx="4676775" cy="4874427"/>
           </a:xfrm>
@@ -7813,10 +7818,10 @@
       </p:grpSp>
       <p:grpSp>
         <p:nvGrpSpPr>
-          <p:cNvPr id="18" name="Agrupar 17">
+          <p:cNvPr id="5" name="Agrupar 4">
             <a:extLst>
               <a:ext uri="{FF2B5EF4-FFF2-40B4-BE49-F238E27FC236}">
-                <a16:creationId xmlns:a16="http://schemas.microsoft.com/office/drawing/2014/main" id="{B935FE5C-5C75-CA01-5661-7BD17AC1C7E8}"/>
+                <a16:creationId xmlns:a16="http://schemas.microsoft.com/office/drawing/2014/main" id="{8C2B174B-C609-6465-6F49-33785F2D7737}"/>
               </a:ext>
             </a:extLst>
           </p:cNvPr>
@@ -7825,18 +7830,462 @@
         </p:nvGrpSpPr>
         <p:grpSpPr>
           <a:xfrm>
-            <a:off x="6861687" y="1888142"/>
-            <a:ext cx="4368962" cy="3676831"/>
-            <a:chOff x="6861687" y="1888142"/>
-            <a:chExt cx="4368962" cy="3676831"/>
+            <a:off x="6928469" y="1432419"/>
+            <a:ext cx="4037004" cy="4473578"/>
+            <a:chOff x="6928469" y="1432419"/>
+            <a:chExt cx="4037004" cy="4473578"/>
           </a:xfrm>
         </p:grpSpPr>
+        <p:grpSp>
+          <p:nvGrpSpPr>
+            <p:cNvPr id="18" name="Agrupar 17">
+              <a:extLst>
+                <a:ext uri="{FF2B5EF4-FFF2-40B4-BE49-F238E27FC236}">
+                  <a16:creationId xmlns:a16="http://schemas.microsoft.com/office/drawing/2014/main" id="{B935FE5C-5C75-CA01-5661-7BD17AC1C7E8}"/>
+                </a:ext>
+              </a:extLst>
+            </p:cNvPr>
+            <p:cNvGrpSpPr/>
+            <p:nvPr/>
+          </p:nvGrpSpPr>
+          <p:grpSpPr>
+            <a:xfrm>
+              <a:off x="6928469" y="1432419"/>
+              <a:ext cx="4037004" cy="3397462"/>
+              <a:chOff x="6861687" y="1888142"/>
+              <a:chExt cx="4368962" cy="3676831"/>
+            </a:xfrm>
+          </p:grpSpPr>
+          <p:pic>
+            <p:nvPicPr>
+              <p:cNvPr id="19" name="Picture 6">
+                <a:extLst>
+                  <a:ext uri="{FF2B5EF4-FFF2-40B4-BE49-F238E27FC236}">
+                    <a16:creationId xmlns:a16="http://schemas.microsoft.com/office/drawing/2014/main" id="{B49CB71F-FF99-DB35-AB53-8BA53FB6CFB9}"/>
+                  </a:ext>
+                </a:extLst>
+              </p:cNvPr>
+              <p:cNvPicPr>
+                <a:picLocks noChangeAspect="1" noChangeArrowheads="1"/>
+              </p:cNvPicPr>
+              <p:nvPr/>
+            </p:nvPicPr>
+            <p:blipFill>
+              <a:blip r:embed="rId6">
+                <a:extLst>
+                  <a:ext uri="{28A0092B-C50C-407E-A947-70E740481C1C}">
+                    <a14:useLocalDpi xmlns:a14="http://schemas.microsoft.com/office/drawing/2010/main" val="0"/>
+                  </a:ext>
+                </a:extLst>
+              </a:blip>
+              <a:srcRect/>
+              <a:stretch>
+                <a:fillRect/>
+              </a:stretch>
+            </p:blipFill>
+            <p:spPr bwMode="auto">
+              <a:xfrm>
+                <a:off x="7156546" y="1963750"/>
+                <a:ext cx="818424" cy="818424"/>
+              </a:xfrm>
+              <a:prstGeom prst="rect">
+                <a:avLst/>
+              </a:prstGeom>
+              <a:noFill/>
+              <a:extLst>
+                <a:ext uri="{909E8E84-426E-40DD-AFC4-6F175D3DCCD1}">
+                  <a14:hiddenFill xmlns:a14="http://schemas.microsoft.com/office/drawing/2010/main">
+                    <a:solidFill>
+                      <a:srgbClr val="FFFFFF"/>
+                    </a:solidFill>
+                  </a14:hiddenFill>
+                </a:ext>
+              </a:extLst>
+            </p:spPr>
+          </p:pic>
+          <p:pic>
+            <p:nvPicPr>
+              <p:cNvPr id="21" name="Picture 8">
+                <a:extLst>
+                  <a:ext uri="{FF2B5EF4-FFF2-40B4-BE49-F238E27FC236}">
+                    <a16:creationId xmlns:a16="http://schemas.microsoft.com/office/drawing/2014/main" id="{3D6DBFEF-71BA-742B-E143-26F29B8C033F}"/>
+                  </a:ext>
+                </a:extLst>
+              </p:cNvPr>
+              <p:cNvPicPr>
+                <a:picLocks noChangeAspect="1" noChangeArrowheads="1"/>
+              </p:cNvPicPr>
+              <p:nvPr/>
+            </p:nvPicPr>
+            <p:blipFill>
+              <a:blip r:embed="rId7">
+                <a:extLst>
+                  <a:ext uri="{28A0092B-C50C-407E-A947-70E740481C1C}">
+                    <a14:useLocalDpi xmlns:a14="http://schemas.microsoft.com/office/drawing/2010/main" val="0"/>
+                  </a:ext>
+                </a:extLst>
+              </a:blip>
+              <a:srcRect/>
+              <a:stretch>
+                <a:fillRect/>
+              </a:stretch>
+            </p:blipFill>
+            <p:spPr bwMode="auto">
+              <a:xfrm>
+                <a:off x="8739333" y="1888142"/>
+                <a:ext cx="829613" cy="956735"/>
+              </a:xfrm>
+              <a:prstGeom prst="rect">
+                <a:avLst/>
+              </a:prstGeom>
+              <a:noFill/>
+              <a:extLst>
+                <a:ext uri="{909E8E84-426E-40DD-AFC4-6F175D3DCCD1}">
+                  <a14:hiddenFill xmlns:a14="http://schemas.microsoft.com/office/drawing/2010/main">
+                    <a:solidFill>
+                      <a:srgbClr val="FFFFFF"/>
+                    </a:solidFill>
+                  </a14:hiddenFill>
+                </a:ext>
+              </a:extLst>
+            </p:spPr>
+          </p:pic>
+          <p:pic>
+            <p:nvPicPr>
+              <p:cNvPr id="22" name="Picture 10" descr="Flask icon in iOS Style">
+                <a:extLst>
+                  <a:ext uri="{FF2B5EF4-FFF2-40B4-BE49-F238E27FC236}">
+                    <a16:creationId xmlns:a16="http://schemas.microsoft.com/office/drawing/2014/main" id="{2709C276-951E-BF37-36AE-C1410FF4F32F}"/>
+                  </a:ext>
+                </a:extLst>
+              </p:cNvPr>
+              <p:cNvPicPr>
+                <a:picLocks noChangeAspect="1" noChangeArrowheads="1"/>
+              </p:cNvPicPr>
+              <p:nvPr/>
+            </p:nvPicPr>
+            <p:blipFill>
+              <a:blip r:embed="rId8">
+                <a:extLst>
+                  <a:ext uri="{28A0092B-C50C-407E-A947-70E740481C1C}">
+                    <a14:useLocalDpi xmlns:a14="http://schemas.microsoft.com/office/drawing/2010/main" val="0"/>
+                  </a:ext>
+                </a:extLst>
+              </a:blip>
+              <a:srcRect/>
+              <a:stretch>
+                <a:fillRect/>
+              </a:stretch>
+            </p:blipFill>
+            <p:spPr bwMode="auto">
+              <a:xfrm>
+                <a:off x="6861687" y="3136271"/>
+                <a:ext cx="1440426" cy="1440426"/>
+              </a:xfrm>
+              <a:prstGeom prst="rect">
+                <a:avLst/>
+              </a:prstGeom>
+              <a:noFill/>
+              <a:extLst>
+                <a:ext uri="{909E8E84-426E-40DD-AFC4-6F175D3DCCD1}">
+                  <a14:hiddenFill xmlns:a14="http://schemas.microsoft.com/office/drawing/2010/main">
+                    <a:solidFill>
+                      <a:srgbClr val="FFFFFF"/>
+                    </a:solidFill>
+                  </a14:hiddenFill>
+                </a:ext>
+              </a:extLst>
+            </p:spPr>
+          </p:pic>
+          <p:pic>
+            <p:nvPicPr>
+              <p:cNvPr id="23" name="Picture 12" descr="Python - Free logo icons">
+                <a:extLst>
+                  <a:ext uri="{FF2B5EF4-FFF2-40B4-BE49-F238E27FC236}">
+                    <a16:creationId xmlns:a16="http://schemas.microsoft.com/office/drawing/2014/main" id="{19E5859D-3860-9D87-C8F2-B122198DC286}"/>
+                  </a:ext>
+                </a:extLst>
+              </p:cNvPr>
+              <p:cNvPicPr>
+                <a:picLocks noChangeAspect="1" noChangeArrowheads="1"/>
+              </p:cNvPicPr>
+              <p:nvPr/>
+            </p:nvPicPr>
+            <p:blipFill>
+              <a:blip r:embed="rId9">
+                <a:extLst>
+                  <a:ext uri="{28A0092B-C50C-407E-A947-70E740481C1C}">
+                    <a14:useLocalDpi xmlns:a14="http://schemas.microsoft.com/office/drawing/2010/main" val="0"/>
+                  </a:ext>
+                </a:extLst>
+              </a:blip>
+              <a:srcRect/>
+              <a:stretch>
+                <a:fillRect/>
+              </a:stretch>
+            </p:blipFill>
+            <p:spPr bwMode="auto">
+              <a:xfrm>
+                <a:off x="8739333" y="3334868"/>
+                <a:ext cx="828676" cy="828676"/>
+              </a:xfrm>
+              <a:prstGeom prst="rect">
+                <a:avLst/>
+              </a:prstGeom>
+              <a:noFill/>
+              <a:extLst>
+                <a:ext uri="{909E8E84-426E-40DD-AFC4-6F175D3DCCD1}">
+                  <a14:hiddenFill xmlns:a14="http://schemas.microsoft.com/office/drawing/2010/main">
+                    <a:solidFill>
+                      <a:srgbClr val="FFFFFF"/>
+                    </a:solidFill>
+                  </a14:hiddenFill>
+                </a:ext>
+              </a:extLst>
+            </p:spPr>
+          </p:pic>
+          <p:pic>
+            <p:nvPicPr>
+              <p:cNvPr id="24" name="Picture 14" descr="ícone Java, original, a marca, logo em Devicon">
+                <a:extLst>
+                  <a:ext uri="{FF2B5EF4-FFF2-40B4-BE49-F238E27FC236}">
+                    <a16:creationId xmlns:a16="http://schemas.microsoft.com/office/drawing/2014/main" id="{FA394AFB-AA46-3F56-C9B5-FD2987362E30}"/>
+                  </a:ext>
+                </a:extLst>
+              </p:cNvPr>
+              <p:cNvPicPr>
+                <a:picLocks noChangeAspect="1" noChangeArrowheads="1"/>
+              </p:cNvPicPr>
+              <p:nvPr/>
+            </p:nvPicPr>
+            <p:blipFill>
+              <a:blip r:embed="rId10">
+                <a:extLst>
+                  <a:ext uri="{28A0092B-C50C-407E-A947-70E740481C1C}">
+                    <a14:useLocalDpi xmlns:a14="http://schemas.microsoft.com/office/drawing/2010/main" val="0"/>
+                  </a:ext>
+                </a:extLst>
+              </a:blip>
+              <a:srcRect/>
+              <a:stretch>
+                <a:fillRect/>
+              </a:stretch>
+            </p:blipFill>
+            <p:spPr bwMode="auto">
+              <a:xfrm>
+                <a:off x="10005229" y="3098077"/>
+                <a:ext cx="1225420" cy="1225420"/>
+              </a:xfrm>
+              <a:prstGeom prst="rect">
+                <a:avLst/>
+              </a:prstGeom>
+              <a:noFill/>
+              <a:extLst>
+                <a:ext uri="{909E8E84-426E-40DD-AFC4-6F175D3DCCD1}">
+                  <a14:hiddenFill xmlns:a14="http://schemas.microsoft.com/office/drawing/2010/main">
+                    <a:solidFill>
+                      <a:srgbClr val="FFFFFF"/>
+                    </a:solidFill>
+                  </a14:hiddenFill>
+                </a:ext>
+              </a:extLst>
+            </p:spPr>
+          </p:pic>
+          <p:pic>
+            <p:nvPicPr>
+              <p:cNvPr id="25" name="Picture 16" descr="Html 5 - ícones de mídia social grátis">
+                <a:extLst>
+                  <a:ext uri="{FF2B5EF4-FFF2-40B4-BE49-F238E27FC236}">
+                    <a16:creationId xmlns:a16="http://schemas.microsoft.com/office/drawing/2014/main" id="{E97C4CB8-9D64-F7CC-FD3B-9B5E3E75C9E1}"/>
+                  </a:ext>
+                </a:extLst>
+              </p:cNvPr>
+              <p:cNvPicPr>
+                <a:picLocks noChangeAspect="1" noChangeArrowheads="1"/>
+              </p:cNvPicPr>
+              <p:nvPr/>
+            </p:nvPicPr>
+            <p:blipFill>
+              <a:blip r:embed="rId11">
+                <a:extLst>
+                  <a:ext uri="{28A0092B-C50C-407E-A947-70E740481C1C}">
+                    <a14:useLocalDpi xmlns:a14="http://schemas.microsoft.com/office/drawing/2010/main" val="0"/>
+                  </a:ext>
+                </a:extLst>
+              </a:blip>
+              <a:srcRect/>
+              <a:stretch>
+                <a:fillRect/>
+              </a:stretch>
+            </p:blipFill>
+            <p:spPr bwMode="auto">
+              <a:xfrm>
+                <a:off x="8752463" y="4768245"/>
+                <a:ext cx="796728" cy="796728"/>
+              </a:xfrm>
+              <a:prstGeom prst="rect">
+                <a:avLst/>
+              </a:prstGeom>
+              <a:noFill/>
+              <a:extLst>
+                <a:ext uri="{909E8E84-426E-40DD-AFC4-6F175D3DCCD1}">
+                  <a14:hiddenFill xmlns:a14="http://schemas.microsoft.com/office/drawing/2010/main">
+                    <a:solidFill>
+                      <a:srgbClr val="FFFFFF"/>
+                    </a:solidFill>
+                  </a14:hiddenFill>
+                </a:ext>
+              </a:extLst>
+            </p:spPr>
+          </p:pic>
+          <p:pic>
+            <p:nvPicPr>
+              <p:cNvPr id="26" name="Picture 18" descr="Css 3 - ícones de computador grátis">
+                <a:extLst>
+                  <a:ext uri="{FF2B5EF4-FFF2-40B4-BE49-F238E27FC236}">
+                    <a16:creationId xmlns:a16="http://schemas.microsoft.com/office/drawing/2014/main" id="{F813ADC3-D3E5-5D12-BB3C-9084A42516E5}"/>
+                  </a:ext>
+                </a:extLst>
+              </p:cNvPr>
+              <p:cNvPicPr>
+                <a:picLocks noChangeAspect="1" noChangeArrowheads="1"/>
+              </p:cNvPicPr>
+              <p:nvPr/>
+            </p:nvPicPr>
+            <p:blipFill>
+              <a:blip r:embed="rId12">
+                <a:extLst>
+                  <a:ext uri="{28A0092B-C50C-407E-A947-70E740481C1C}">
+                    <a14:useLocalDpi xmlns:a14="http://schemas.microsoft.com/office/drawing/2010/main" val="0"/>
+                  </a:ext>
+                </a:extLst>
+              </a:blip>
+              <a:srcRect/>
+              <a:stretch>
+                <a:fillRect/>
+              </a:stretch>
+            </p:blipFill>
+            <p:spPr bwMode="auto">
+              <a:xfrm>
+                <a:off x="7190363" y="4768245"/>
+                <a:ext cx="750789" cy="750789"/>
+              </a:xfrm>
+              <a:prstGeom prst="rect">
+                <a:avLst/>
+              </a:prstGeom>
+              <a:noFill/>
+              <a:extLst>
+                <a:ext uri="{909E8E84-426E-40DD-AFC4-6F175D3DCCD1}">
+                  <a14:hiddenFill xmlns:a14="http://schemas.microsoft.com/office/drawing/2010/main">
+                    <a:solidFill>
+                      <a:srgbClr val="FFFFFF"/>
+                    </a:solidFill>
+                  </a14:hiddenFill>
+                </a:ext>
+              </a:extLst>
+            </p:spPr>
+          </p:pic>
+          <p:pic>
+            <p:nvPicPr>
+              <p:cNvPr id="27" name="Picture 20" descr="Logotipo do github - ícones de mídia social grátis">
+                <a:extLst>
+                  <a:ext uri="{FF2B5EF4-FFF2-40B4-BE49-F238E27FC236}">
+                    <a16:creationId xmlns:a16="http://schemas.microsoft.com/office/drawing/2014/main" id="{2DF96C1D-9BA1-B895-8598-F0704DA441F0}"/>
+                  </a:ext>
+                </a:extLst>
+              </p:cNvPr>
+              <p:cNvPicPr>
+                <a:picLocks noChangeAspect="1" noChangeArrowheads="1"/>
+              </p:cNvPicPr>
+              <p:nvPr/>
+            </p:nvPicPr>
+            <p:blipFill>
+              <a:blip r:embed="rId13">
+                <a:extLst>
+                  <a:ext uri="{28A0092B-C50C-407E-A947-70E740481C1C}">
+                    <a14:useLocalDpi xmlns:a14="http://schemas.microsoft.com/office/drawing/2010/main" val="0"/>
+                  </a:ext>
+                </a:extLst>
+              </a:blip>
+              <a:srcRect/>
+              <a:stretch>
+                <a:fillRect/>
+              </a:stretch>
+            </p:blipFill>
+            <p:spPr bwMode="auto">
+              <a:xfrm>
+                <a:off x="10140349" y="1889075"/>
+                <a:ext cx="955802" cy="955802"/>
+              </a:xfrm>
+              <a:prstGeom prst="rect">
+                <a:avLst/>
+              </a:prstGeom>
+              <a:noFill/>
+              <a:extLst>
+                <a:ext uri="{909E8E84-426E-40DD-AFC4-6F175D3DCCD1}">
+                  <a14:hiddenFill xmlns:a14="http://schemas.microsoft.com/office/drawing/2010/main">
+                    <a:solidFill>
+                      <a:srgbClr val="FFFFFF"/>
+                    </a:solidFill>
+                  </a14:hiddenFill>
+                </a:ext>
+              </a:extLst>
+            </p:spPr>
+          </p:pic>
+          <p:pic>
+            <p:nvPicPr>
+              <p:cNvPr id="28" name="Picture 22" descr="Js - ícones de logotipo grátis">
+                <a:extLst>
+                  <a:ext uri="{FF2B5EF4-FFF2-40B4-BE49-F238E27FC236}">
+                    <a16:creationId xmlns:a16="http://schemas.microsoft.com/office/drawing/2014/main" id="{8DBB7BE9-875E-2E8D-D128-DF40D72544E3}"/>
+                  </a:ext>
+                </a:extLst>
+              </p:cNvPr>
+              <p:cNvPicPr>
+                <a:picLocks noChangeAspect="1" noChangeArrowheads="1"/>
+              </p:cNvPicPr>
+              <p:nvPr/>
+            </p:nvPicPr>
+            <p:blipFill>
+              <a:blip r:embed="rId14">
+                <a:extLst>
+                  <a:ext uri="{28A0092B-C50C-407E-A947-70E740481C1C}">
+                    <a14:useLocalDpi xmlns:a14="http://schemas.microsoft.com/office/drawing/2010/main" val="0"/>
+                  </a:ext>
+                </a:extLst>
+              </a:blip>
+              <a:srcRect/>
+              <a:stretch>
+                <a:fillRect/>
+              </a:stretch>
+            </p:blipFill>
+            <p:spPr bwMode="auto">
+              <a:xfrm>
+                <a:off x="10215401" y="4741101"/>
+                <a:ext cx="805075" cy="805075"/>
+              </a:xfrm>
+              <a:prstGeom prst="rect">
+                <a:avLst/>
+              </a:prstGeom>
+              <a:noFill/>
+              <a:extLst>
+                <a:ext uri="{909E8E84-426E-40DD-AFC4-6F175D3DCCD1}">
+                  <a14:hiddenFill xmlns:a14="http://schemas.microsoft.com/office/drawing/2010/main">
+                    <a:solidFill>
+                      <a:srgbClr val="FFFFFF"/>
+                    </a:solidFill>
+                  </a14:hiddenFill>
+                </a:ext>
+              </a:extLst>
+            </p:spPr>
+          </p:pic>
+        </p:grpSp>
         <p:pic>
           <p:nvPicPr>
-            <p:cNvPr id="19" name="Picture 6">
+            <p:cNvPr id="1026" name="Picture 2" descr="Ionic icon PNG and SVG Vector Free Download">
               <a:extLst>
                 <a:ext uri="{FF2B5EF4-FFF2-40B4-BE49-F238E27FC236}">
-                  <a16:creationId xmlns:a16="http://schemas.microsoft.com/office/drawing/2014/main" id="{B49CB71F-FF99-DB35-AB53-8BA53FB6CFB9}"/>
+                  <a16:creationId xmlns:a16="http://schemas.microsoft.com/office/drawing/2014/main" id="{D7319ECB-5CBB-9252-565B-3F37F1BBDFD2}"/>
                 </a:ext>
               </a:extLst>
             </p:cNvPr>
@@ -7846,7 +8295,7 @@
             <p:nvPr/>
           </p:nvPicPr>
           <p:blipFill>
-            <a:blip r:embed="rId6">
+            <a:blip r:embed="rId15">
               <a:extLst>
                 <a:ext uri="{28A0092B-C50C-407E-A947-70E740481C1C}">
                   <a14:useLocalDpi xmlns:a14="http://schemas.microsoft.com/office/drawing/2010/main" val="0"/>
@@ -7860,384 +8309,8 @@
           </p:blipFill>
           <p:spPr bwMode="auto">
             <a:xfrm>
-              <a:off x="7156546" y="1963750"/>
-              <a:ext cx="818424" cy="818424"/>
-            </a:xfrm>
-            <a:prstGeom prst="rect">
-              <a:avLst/>
-            </a:prstGeom>
-            <a:noFill/>
-            <a:extLst>
-              <a:ext uri="{909E8E84-426E-40DD-AFC4-6F175D3DCCD1}">
-                <a14:hiddenFill xmlns:a14="http://schemas.microsoft.com/office/drawing/2010/main">
-                  <a:solidFill>
-                    <a:srgbClr val="FFFFFF"/>
-                  </a:solidFill>
-                </a14:hiddenFill>
-              </a:ext>
-            </a:extLst>
-          </p:spPr>
-        </p:pic>
-        <p:pic>
-          <p:nvPicPr>
-            <p:cNvPr id="21" name="Picture 8">
-              <a:extLst>
-                <a:ext uri="{FF2B5EF4-FFF2-40B4-BE49-F238E27FC236}">
-                  <a16:creationId xmlns:a16="http://schemas.microsoft.com/office/drawing/2014/main" id="{3D6DBFEF-71BA-742B-E143-26F29B8C033F}"/>
-                </a:ext>
-              </a:extLst>
-            </p:cNvPr>
-            <p:cNvPicPr>
-              <a:picLocks noChangeAspect="1" noChangeArrowheads="1"/>
-            </p:cNvPicPr>
-            <p:nvPr/>
-          </p:nvPicPr>
-          <p:blipFill>
-            <a:blip r:embed="rId7">
-              <a:extLst>
-                <a:ext uri="{28A0092B-C50C-407E-A947-70E740481C1C}">
-                  <a14:useLocalDpi xmlns:a14="http://schemas.microsoft.com/office/drawing/2010/main" val="0"/>
-                </a:ext>
-              </a:extLst>
-            </a:blip>
-            <a:srcRect/>
-            <a:stretch>
-              <a:fillRect/>
-            </a:stretch>
-          </p:blipFill>
-          <p:spPr bwMode="auto">
-            <a:xfrm>
-              <a:off x="8739333" y="1888142"/>
-              <a:ext cx="829613" cy="956735"/>
-            </a:xfrm>
-            <a:prstGeom prst="rect">
-              <a:avLst/>
-            </a:prstGeom>
-            <a:noFill/>
-            <a:extLst>
-              <a:ext uri="{909E8E84-426E-40DD-AFC4-6F175D3DCCD1}">
-                <a14:hiddenFill xmlns:a14="http://schemas.microsoft.com/office/drawing/2010/main">
-                  <a:solidFill>
-                    <a:srgbClr val="FFFFFF"/>
-                  </a:solidFill>
-                </a14:hiddenFill>
-              </a:ext>
-            </a:extLst>
-          </p:spPr>
-        </p:pic>
-        <p:pic>
-          <p:nvPicPr>
-            <p:cNvPr id="22" name="Picture 10" descr="Flask icon in iOS Style">
-              <a:extLst>
-                <a:ext uri="{FF2B5EF4-FFF2-40B4-BE49-F238E27FC236}">
-                  <a16:creationId xmlns:a16="http://schemas.microsoft.com/office/drawing/2014/main" id="{2709C276-951E-BF37-36AE-C1410FF4F32F}"/>
-                </a:ext>
-              </a:extLst>
-            </p:cNvPr>
-            <p:cNvPicPr>
-              <a:picLocks noChangeAspect="1" noChangeArrowheads="1"/>
-            </p:cNvPicPr>
-            <p:nvPr/>
-          </p:nvPicPr>
-          <p:blipFill>
-            <a:blip r:embed="rId8">
-              <a:extLst>
-                <a:ext uri="{28A0092B-C50C-407E-A947-70E740481C1C}">
-                  <a14:useLocalDpi xmlns:a14="http://schemas.microsoft.com/office/drawing/2010/main" val="0"/>
-                </a:ext>
-              </a:extLst>
-            </a:blip>
-            <a:srcRect/>
-            <a:stretch>
-              <a:fillRect/>
-            </a:stretch>
-          </p:blipFill>
-          <p:spPr bwMode="auto">
-            <a:xfrm>
-              <a:off x="6861687" y="3136271"/>
-              <a:ext cx="1440426" cy="1440426"/>
-            </a:xfrm>
-            <a:prstGeom prst="rect">
-              <a:avLst/>
-            </a:prstGeom>
-            <a:noFill/>
-            <a:extLst>
-              <a:ext uri="{909E8E84-426E-40DD-AFC4-6F175D3DCCD1}">
-                <a14:hiddenFill xmlns:a14="http://schemas.microsoft.com/office/drawing/2010/main">
-                  <a:solidFill>
-                    <a:srgbClr val="FFFFFF"/>
-                  </a:solidFill>
-                </a14:hiddenFill>
-              </a:ext>
-            </a:extLst>
-          </p:spPr>
-        </p:pic>
-        <p:pic>
-          <p:nvPicPr>
-            <p:cNvPr id="23" name="Picture 12" descr="Python - Free logo icons">
-              <a:extLst>
-                <a:ext uri="{FF2B5EF4-FFF2-40B4-BE49-F238E27FC236}">
-                  <a16:creationId xmlns:a16="http://schemas.microsoft.com/office/drawing/2014/main" id="{19E5859D-3860-9D87-C8F2-B122198DC286}"/>
-                </a:ext>
-              </a:extLst>
-            </p:cNvPr>
-            <p:cNvPicPr>
-              <a:picLocks noChangeAspect="1" noChangeArrowheads="1"/>
-            </p:cNvPicPr>
-            <p:nvPr/>
-          </p:nvPicPr>
-          <p:blipFill>
-            <a:blip r:embed="rId9">
-              <a:extLst>
-                <a:ext uri="{28A0092B-C50C-407E-A947-70E740481C1C}">
-                  <a14:useLocalDpi xmlns:a14="http://schemas.microsoft.com/office/drawing/2010/main" val="0"/>
-                </a:ext>
-              </a:extLst>
-            </a:blip>
-            <a:srcRect/>
-            <a:stretch>
-              <a:fillRect/>
-            </a:stretch>
-          </p:blipFill>
-          <p:spPr bwMode="auto">
-            <a:xfrm>
-              <a:off x="8739333" y="3334868"/>
-              <a:ext cx="828676" cy="828676"/>
-            </a:xfrm>
-            <a:prstGeom prst="rect">
-              <a:avLst/>
-            </a:prstGeom>
-            <a:noFill/>
-            <a:extLst>
-              <a:ext uri="{909E8E84-426E-40DD-AFC4-6F175D3DCCD1}">
-                <a14:hiddenFill xmlns:a14="http://schemas.microsoft.com/office/drawing/2010/main">
-                  <a:solidFill>
-                    <a:srgbClr val="FFFFFF"/>
-                  </a:solidFill>
-                </a14:hiddenFill>
-              </a:ext>
-            </a:extLst>
-          </p:spPr>
-        </p:pic>
-        <p:pic>
-          <p:nvPicPr>
-            <p:cNvPr id="24" name="Picture 14" descr="ícone Java, original, a marca, logo em Devicon">
-              <a:extLst>
-                <a:ext uri="{FF2B5EF4-FFF2-40B4-BE49-F238E27FC236}">
-                  <a16:creationId xmlns:a16="http://schemas.microsoft.com/office/drawing/2014/main" id="{FA394AFB-AA46-3F56-C9B5-FD2987362E30}"/>
-                </a:ext>
-              </a:extLst>
-            </p:cNvPr>
-            <p:cNvPicPr>
-              <a:picLocks noChangeAspect="1" noChangeArrowheads="1"/>
-            </p:cNvPicPr>
-            <p:nvPr/>
-          </p:nvPicPr>
-          <p:blipFill>
-            <a:blip r:embed="rId10">
-              <a:extLst>
-                <a:ext uri="{28A0092B-C50C-407E-A947-70E740481C1C}">
-                  <a14:useLocalDpi xmlns:a14="http://schemas.microsoft.com/office/drawing/2010/main" val="0"/>
-                </a:ext>
-              </a:extLst>
-            </a:blip>
-            <a:srcRect/>
-            <a:stretch>
-              <a:fillRect/>
-            </a:stretch>
-          </p:blipFill>
-          <p:spPr bwMode="auto">
-            <a:xfrm>
-              <a:off x="10005229" y="3098077"/>
-              <a:ext cx="1225420" cy="1225420"/>
-            </a:xfrm>
-            <a:prstGeom prst="rect">
-              <a:avLst/>
-            </a:prstGeom>
-            <a:noFill/>
-            <a:extLst>
-              <a:ext uri="{909E8E84-426E-40DD-AFC4-6F175D3DCCD1}">
-                <a14:hiddenFill xmlns:a14="http://schemas.microsoft.com/office/drawing/2010/main">
-                  <a:solidFill>
-                    <a:srgbClr val="FFFFFF"/>
-                  </a:solidFill>
-                </a14:hiddenFill>
-              </a:ext>
-            </a:extLst>
-          </p:spPr>
-        </p:pic>
-        <p:pic>
-          <p:nvPicPr>
-            <p:cNvPr id="25" name="Picture 16" descr="Html 5 - ícones de mídia social grátis">
-              <a:extLst>
-                <a:ext uri="{FF2B5EF4-FFF2-40B4-BE49-F238E27FC236}">
-                  <a16:creationId xmlns:a16="http://schemas.microsoft.com/office/drawing/2014/main" id="{E97C4CB8-9D64-F7CC-FD3B-9B5E3E75C9E1}"/>
-                </a:ext>
-              </a:extLst>
-            </p:cNvPr>
-            <p:cNvPicPr>
-              <a:picLocks noChangeAspect="1" noChangeArrowheads="1"/>
-            </p:cNvPicPr>
-            <p:nvPr/>
-          </p:nvPicPr>
-          <p:blipFill>
-            <a:blip r:embed="rId11">
-              <a:extLst>
-                <a:ext uri="{28A0092B-C50C-407E-A947-70E740481C1C}">
-                  <a14:useLocalDpi xmlns:a14="http://schemas.microsoft.com/office/drawing/2010/main" val="0"/>
-                </a:ext>
-              </a:extLst>
-            </a:blip>
-            <a:srcRect/>
-            <a:stretch>
-              <a:fillRect/>
-            </a:stretch>
-          </p:blipFill>
-          <p:spPr bwMode="auto">
-            <a:xfrm>
-              <a:off x="8752463" y="4768245"/>
-              <a:ext cx="796728" cy="796728"/>
-            </a:xfrm>
-            <a:prstGeom prst="rect">
-              <a:avLst/>
-            </a:prstGeom>
-            <a:noFill/>
-            <a:extLst>
-              <a:ext uri="{909E8E84-426E-40DD-AFC4-6F175D3DCCD1}">
-                <a14:hiddenFill xmlns:a14="http://schemas.microsoft.com/office/drawing/2010/main">
-                  <a:solidFill>
-                    <a:srgbClr val="FFFFFF"/>
-                  </a:solidFill>
-                </a14:hiddenFill>
-              </a:ext>
-            </a:extLst>
-          </p:spPr>
-        </p:pic>
-        <p:pic>
-          <p:nvPicPr>
-            <p:cNvPr id="26" name="Picture 18" descr="Css 3 - ícones de computador grátis">
-              <a:extLst>
-                <a:ext uri="{FF2B5EF4-FFF2-40B4-BE49-F238E27FC236}">
-                  <a16:creationId xmlns:a16="http://schemas.microsoft.com/office/drawing/2014/main" id="{F813ADC3-D3E5-5D12-BB3C-9084A42516E5}"/>
-                </a:ext>
-              </a:extLst>
-            </p:cNvPr>
-            <p:cNvPicPr>
-              <a:picLocks noChangeAspect="1" noChangeArrowheads="1"/>
-            </p:cNvPicPr>
-            <p:nvPr/>
-          </p:nvPicPr>
-          <p:blipFill>
-            <a:blip r:embed="rId12">
-              <a:extLst>
-                <a:ext uri="{28A0092B-C50C-407E-A947-70E740481C1C}">
-                  <a14:useLocalDpi xmlns:a14="http://schemas.microsoft.com/office/drawing/2010/main" val="0"/>
-                </a:ext>
-              </a:extLst>
-            </a:blip>
-            <a:srcRect/>
-            <a:stretch>
-              <a:fillRect/>
-            </a:stretch>
-          </p:blipFill>
-          <p:spPr bwMode="auto">
-            <a:xfrm>
-              <a:off x="7190363" y="4768245"/>
-              <a:ext cx="750789" cy="750789"/>
-            </a:xfrm>
-            <a:prstGeom prst="rect">
-              <a:avLst/>
-            </a:prstGeom>
-            <a:noFill/>
-            <a:extLst>
-              <a:ext uri="{909E8E84-426E-40DD-AFC4-6F175D3DCCD1}">
-                <a14:hiddenFill xmlns:a14="http://schemas.microsoft.com/office/drawing/2010/main">
-                  <a:solidFill>
-                    <a:srgbClr val="FFFFFF"/>
-                  </a:solidFill>
-                </a14:hiddenFill>
-              </a:ext>
-            </a:extLst>
-          </p:spPr>
-        </p:pic>
-        <p:pic>
-          <p:nvPicPr>
-            <p:cNvPr id="27" name="Picture 20" descr="Logotipo do github - ícones de mídia social grátis">
-              <a:extLst>
-                <a:ext uri="{FF2B5EF4-FFF2-40B4-BE49-F238E27FC236}">
-                  <a16:creationId xmlns:a16="http://schemas.microsoft.com/office/drawing/2014/main" id="{2DF96C1D-9BA1-B895-8598-F0704DA441F0}"/>
-                </a:ext>
-              </a:extLst>
-            </p:cNvPr>
-            <p:cNvPicPr>
-              <a:picLocks noChangeAspect="1" noChangeArrowheads="1"/>
-            </p:cNvPicPr>
-            <p:nvPr/>
-          </p:nvPicPr>
-          <p:blipFill>
-            <a:blip r:embed="rId13">
-              <a:extLst>
-                <a:ext uri="{28A0092B-C50C-407E-A947-70E740481C1C}">
-                  <a14:useLocalDpi xmlns:a14="http://schemas.microsoft.com/office/drawing/2010/main" val="0"/>
-                </a:ext>
-              </a:extLst>
-            </a:blip>
-            <a:srcRect/>
-            <a:stretch>
-              <a:fillRect/>
-            </a:stretch>
-          </p:blipFill>
-          <p:spPr bwMode="auto">
-            <a:xfrm>
-              <a:off x="10140349" y="1889075"/>
-              <a:ext cx="955802" cy="955802"/>
-            </a:xfrm>
-            <a:prstGeom prst="rect">
-              <a:avLst/>
-            </a:prstGeom>
-            <a:noFill/>
-            <a:extLst>
-              <a:ext uri="{909E8E84-426E-40DD-AFC4-6F175D3DCCD1}">
-                <a14:hiddenFill xmlns:a14="http://schemas.microsoft.com/office/drawing/2010/main">
-                  <a:solidFill>
-                    <a:srgbClr val="FFFFFF"/>
-                  </a:solidFill>
-                </a14:hiddenFill>
-              </a:ext>
-            </a:extLst>
-          </p:spPr>
-        </p:pic>
-        <p:pic>
-          <p:nvPicPr>
-            <p:cNvPr id="28" name="Picture 22" descr="Js - ícones de logotipo grátis">
-              <a:extLst>
-                <a:ext uri="{FF2B5EF4-FFF2-40B4-BE49-F238E27FC236}">
-                  <a16:creationId xmlns:a16="http://schemas.microsoft.com/office/drawing/2014/main" id="{8DBB7BE9-875E-2E8D-D128-DF40D72544E3}"/>
-                </a:ext>
-              </a:extLst>
-            </p:cNvPr>
-            <p:cNvPicPr>
-              <a:picLocks noChangeAspect="1" noChangeArrowheads="1"/>
-            </p:cNvPicPr>
-            <p:nvPr/>
-          </p:nvPicPr>
-          <p:blipFill>
-            <a:blip r:embed="rId14">
-              <a:extLst>
-                <a:ext uri="{28A0092B-C50C-407E-A947-70E740481C1C}">
-                  <a14:useLocalDpi xmlns:a14="http://schemas.microsoft.com/office/drawing/2010/main" val="0"/>
-                </a:ext>
-              </a:extLst>
-            </a:blip>
-            <a:srcRect/>
-            <a:stretch>
-              <a:fillRect/>
-            </a:stretch>
-          </p:blipFill>
-          <p:spPr bwMode="auto">
-            <a:xfrm>
-              <a:off x="10215401" y="4741101"/>
-              <a:ext cx="805075" cy="805075"/>
+              <a:off x="8646062" y="5140285"/>
+              <a:ext cx="765712" cy="765712"/>
             </a:xfrm>
             <a:prstGeom prst="rect">
               <a:avLst/>
@@ -8265,13 +8338,13 @@
   <p:clrMapOvr>
     <a:masterClrMapping/>
   </p:clrMapOvr>
-  <mc:AlternateContent xmlns:mc="http://schemas.openxmlformats.org/markup-compatibility/2006">
-    <mc:Choice xmlns:p159="http://schemas.microsoft.com/office/powerpoint/2015/09/main" Requires="p159">
+  <mc:AlternateContent xmlns:mc="http://schemas.openxmlformats.org/markup-compatibility/2006" xmlns:p159="http://schemas.microsoft.com/office/powerpoint/2015/09/main">
+    <mc:Choice Requires="p159">
       <p:transition xmlns:p14="http://schemas.microsoft.com/office/powerpoint/2010/main" spd="slow" p14:dur="2000">
         <p159:morph option="byObject"/>
       </p:transition>
     </mc:Choice>
-    <mc:Fallback>
+    <mc:Fallback xmlns="">
       <p:transition spd="slow">
         <p:fade/>
       </p:transition>
@@ -8516,7 +8589,7 @@
                                           </p:stCondLst>
                                         </p:cTn>
                                         <p:tgtEl>
-                                          <p:spTgt spid="18"/>
+                                          <p:spTgt spid="5"/>
                                         </p:tgtEl>
                                         <p:attrNameLst>
                                           <p:attrName>style.visibility</p:attrName>
@@ -8530,7 +8603,7 @@
                                       <p:cBhvr>
                                         <p:cTn id="24" dur="1000"/>
                                         <p:tgtEl>
-                                          <p:spTgt spid="18"/>
+                                          <p:spTgt spid="5"/>
                                         </p:tgtEl>
                                       </p:cBhvr>
                                     </p:animEffect>
@@ -8538,7 +8611,7 @@
                                       <p:cBhvr>
                                         <p:cTn id="25" dur="1000" fill="hold"/>
                                         <p:tgtEl>
-                                          <p:spTgt spid="18"/>
+                                          <p:spTgt spid="5"/>
                                         </p:tgtEl>
                                         <p:attrNameLst>
                                           <p:attrName>ppt_x</p:attrName>
@@ -8561,7 +8634,7 @@
                                       <p:cBhvr>
                                         <p:cTn id="26" dur="1000" fill="hold"/>
                                         <p:tgtEl>
-                                          <p:spTgt spid="18"/>
+                                          <p:spTgt spid="5"/>
                                         </p:tgtEl>
                                         <p:attrNameLst>
                                           <p:attrName>ppt_y</p:attrName>
@@ -9792,13 +9865,13 @@
   <p:clrMapOvr>
     <a:masterClrMapping/>
   </p:clrMapOvr>
-  <mc:AlternateContent xmlns:mc="http://schemas.openxmlformats.org/markup-compatibility/2006">
-    <mc:Choice xmlns:p159="http://schemas.microsoft.com/office/powerpoint/2015/09/main" Requires="p159">
+  <mc:AlternateContent xmlns:mc="http://schemas.openxmlformats.org/markup-compatibility/2006" xmlns:p159="http://schemas.microsoft.com/office/powerpoint/2015/09/main">
+    <mc:Choice Requires="p159">
       <p:transition xmlns:p14="http://schemas.microsoft.com/office/powerpoint/2010/main" spd="slow" p14:dur="2000">
         <p159:morph option="byObject"/>
       </p:transition>
     </mc:Choice>
-    <mc:Fallback>
+    <mc:Fallback xmlns="">
       <p:transition spd="slow">
         <p:fade/>
       </p:transition>
@@ -11718,13 +11791,13 @@
   <p:clrMapOvr>
     <a:masterClrMapping/>
   </p:clrMapOvr>
-  <mc:AlternateContent xmlns:mc="http://schemas.openxmlformats.org/markup-compatibility/2006">
-    <mc:Choice xmlns:p159="http://schemas.microsoft.com/office/powerpoint/2015/09/main" Requires="p159">
+  <mc:AlternateContent xmlns:mc="http://schemas.openxmlformats.org/markup-compatibility/2006" xmlns:p159="http://schemas.microsoft.com/office/powerpoint/2015/09/main">
+    <mc:Choice Requires="p159">
       <p:transition xmlns:p14="http://schemas.microsoft.com/office/powerpoint/2010/main" spd="slow" p14:dur="2000">
         <p159:morph option="byObject"/>
       </p:transition>
     </mc:Choice>
-    <mc:Fallback>
+    <mc:Fallback xmlns="">
       <p:transition spd="slow">
         <p:fade/>
       </p:transition>
@@ -13704,13 +13777,13 @@
   <p:clrMapOvr>
     <a:masterClrMapping/>
   </p:clrMapOvr>
-  <mc:AlternateContent xmlns:mc="http://schemas.openxmlformats.org/markup-compatibility/2006">
-    <mc:Choice xmlns:p159="http://schemas.microsoft.com/office/powerpoint/2015/09/main" Requires="p159">
+  <mc:AlternateContent xmlns:mc="http://schemas.openxmlformats.org/markup-compatibility/2006" xmlns:p159="http://schemas.microsoft.com/office/powerpoint/2015/09/main">
+    <mc:Choice Requires="p159">
       <p:transition xmlns:p14="http://schemas.microsoft.com/office/powerpoint/2010/main" spd="slow" p14:dur="2000">
         <p159:morph option="byObject"/>
       </p:transition>
     </mc:Choice>
-    <mc:Fallback>
+    <mc:Fallback xmlns="">
       <p:transition spd="slow">
         <p:fade/>
       </p:transition>
@@ -15348,13 +15421,13 @@
   <p:clrMapOvr>
     <a:masterClrMapping/>
   </p:clrMapOvr>
-  <mc:AlternateContent xmlns:mc="http://schemas.openxmlformats.org/markup-compatibility/2006">
-    <mc:Choice xmlns:p159="http://schemas.microsoft.com/office/powerpoint/2015/09/main" Requires="p159">
+  <mc:AlternateContent xmlns:mc="http://schemas.openxmlformats.org/markup-compatibility/2006" xmlns:p159="http://schemas.microsoft.com/office/powerpoint/2015/09/main">
+    <mc:Choice Requires="p159">
       <p:transition xmlns:p14="http://schemas.microsoft.com/office/powerpoint/2010/main" spd="slow" p14:dur="2000">
         <p159:morph option="byObject"/>
       </p:transition>
     </mc:Choice>
-    <mc:Fallback>
+    <mc:Fallback xmlns="">
       <p:transition spd="slow">
         <p:fade/>
       </p:transition>
@@ -15738,13 +15811,13 @@
   <p:clrMapOvr>
     <a:masterClrMapping/>
   </p:clrMapOvr>
-  <mc:AlternateContent xmlns:mc="http://schemas.openxmlformats.org/markup-compatibility/2006">
-    <mc:Choice xmlns:p159="http://schemas.microsoft.com/office/powerpoint/2015/09/main" Requires="p159">
+  <mc:AlternateContent xmlns:mc="http://schemas.openxmlformats.org/markup-compatibility/2006" xmlns:p159="http://schemas.microsoft.com/office/powerpoint/2015/09/main">
+    <mc:Choice Requires="p159">
       <p:transition xmlns:p14="http://schemas.microsoft.com/office/powerpoint/2010/main" spd="slow" p14:dur="2000">
         <p159:morph option="byObject"/>
       </p:transition>
     </mc:Choice>
-    <mc:Fallback>
+    <mc:Fallback xmlns="">
       <p:transition spd="slow">
         <p:fade/>
       </p:transition>
@@ -16128,13 +16201,13 @@
   <p:clrMapOvr>
     <a:masterClrMapping/>
   </p:clrMapOvr>
-  <mc:AlternateContent xmlns:mc="http://schemas.openxmlformats.org/markup-compatibility/2006">
-    <mc:Choice xmlns:p159="http://schemas.microsoft.com/office/powerpoint/2015/09/main" Requires="p159">
+  <mc:AlternateContent xmlns:mc="http://schemas.openxmlformats.org/markup-compatibility/2006" xmlns:p159="http://schemas.microsoft.com/office/powerpoint/2015/09/main">
+    <mc:Choice Requires="p159">
       <p:transition xmlns:p14="http://schemas.microsoft.com/office/powerpoint/2010/main" spd="slow" p14:dur="2000">
         <p159:morph option="byObject"/>
       </p:transition>
     </mc:Choice>
-    <mc:Fallback>
+    <mc:Fallback xmlns="">
       <p:transition spd="slow">
         <p:fade/>
       </p:transition>
